--- a/abbildungen/11_interaktive-visualisierungen/Figures R-Shiny-Apps_2024-03-10.pptx
+++ b/abbildungen/11_interaktive-visualisierungen/Figures R-Shiny-Apps_2024-03-10.pptx
@@ -6,7 +6,8 @@
   </p:sldMasterIdLst>
   <p:sldIdLst>
     <p:sldId id="258" r:id="rId2"/>
-    <p:sldId id="259" r:id="rId3"/>
+    <p:sldId id="260" r:id="rId3"/>
+    <p:sldId id="259" r:id="rId4"/>
   </p:sldIdLst>
   <p:sldSz cx="12192000" cy="6858000"/>
   <p:notesSz cx="6858000" cy="9144000"/>
@@ -260,7 +261,7 @@
           <a:p>
             <a:fld id="{6FC174DE-D25E-4679-93EE-1F9139E2D4C2}" type="datetimeFigureOut">
               <a:rPr lang="de-DE" smtClean="0"/>
-              <a:t>23.03.2024</a:t>
+              <a:t>29.03.2024</a:t>
             </a:fld>
             <a:endParaRPr lang="de-DE"/>
           </a:p>
@@ -458,7 +459,7 @@
           <a:p>
             <a:fld id="{6FC174DE-D25E-4679-93EE-1F9139E2D4C2}" type="datetimeFigureOut">
               <a:rPr lang="de-DE" smtClean="0"/>
-              <a:t>23.03.2024</a:t>
+              <a:t>29.03.2024</a:t>
             </a:fld>
             <a:endParaRPr lang="de-DE"/>
           </a:p>
@@ -666,7 +667,7 @@
           <a:p>
             <a:fld id="{6FC174DE-D25E-4679-93EE-1F9139E2D4C2}" type="datetimeFigureOut">
               <a:rPr lang="de-DE" smtClean="0"/>
-              <a:t>23.03.2024</a:t>
+              <a:t>29.03.2024</a:t>
             </a:fld>
             <a:endParaRPr lang="de-DE"/>
           </a:p>
@@ -864,7 +865,7 @@
           <a:p>
             <a:fld id="{6FC174DE-D25E-4679-93EE-1F9139E2D4C2}" type="datetimeFigureOut">
               <a:rPr lang="de-DE" smtClean="0"/>
-              <a:t>23.03.2024</a:t>
+              <a:t>29.03.2024</a:t>
             </a:fld>
             <a:endParaRPr lang="de-DE"/>
           </a:p>
@@ -1139,7 +1140,7 @@
           <a:p>
             <a:fld id="{6FC174DE-D25E-4679-93EE-1F9139E2D4C2}" type="datetimeFigureOut">
               <a:rPr lang="de-DE" smtClean="0"/>
-              <a:t>23.03.2024</a:t>
+              <a:t>29.03.2024</a:t>
             </a:fld>
             <a:endParaRPr lang="de-DE"/>
           </a:p>
@@ -1404,7 +1405,7 @@
           <a:p>
             <a:fld id="{6FC174DE-D25E-4679-93EE-1F9139E2D4C2}" type="datetimeFigureOut">
               <a:rPr lang="de-DE" smtClean="0"/>
-              <a:t>23.03.2024</a:t>
+              <a:t>29.03.2024</a:t>
             </a:fld>
             <a:endParaRPr lang="de-DE"/>
           </a:p>
@@ -1816,7 +1817,7 @@
           <a:p>
             <a:fld id="{6FC174DE-D25E-4679-93EE-1F9139E2D4C2}" type="datetimeFigureOut">
               <a:rPr lang="de-DE" smtClean="0"/>
-              <a:t>23.03.2024</a:t>
+              <a:t>29.03.2024</a:t>
             </a:fld>
             <a:endParaRPr lang="de-DE"/>
           </a:p>
@@ -1957,7 +1958,7 @@
           <a:p>
             <a:fld id="{6FC174DE-D25E-4679-93EE-1F9139E2D4C2}" type="datetimeFigureOut">
               <a:rPr lang="de-DE" smtClean="0"/>
-              <a:t>23.03.2024</a:t>
+              <a:t>29.03.2024</a:t>
             </a:fld>
             <a:endParaRPr lang="de-DE"/>
           </a:p>
@@ -2070,7 +2071,7 @@
           <a:p>
             <a:fld id="{6FC174DE-D25E-4679-93EE-1F9139E2D4C2}" type="datetimeFigureOut">
               <a:rPr lang="de-DE" smtClean="0"/>
-              <a:t>23.03.2024</a:t>
+              <a:t>29.03.2024</a:t>
             </a:fld>
             <a:endParaRPr lang="de-DE"/>
           </a:p>
@@ -2381,7 +2382,7 @@
           <a:p>
             <a:fld id="{6FC174DE-D25E-4679-93EE-1F9139E2D4C2}" type="datetimeFigureOut">
               <a:rPr lang="de-DE" smtClean="0"/>
-              <a:t>23.03.2024</a:t>
+              <a:t>29.03.2024</a:t>
             </a:fld>
             <a:endParaRPr lang="de-DE"/>
           </a:p>
@@ -2669,7 +2670,7 @@
           <a:p>
             <a:fld id="{6FC174DE-D25E-4679-93EE-1F9139E2D4C2}" type="datetimeFigureOut">
               <a:rPr lang="de-DE" smtClean="0"/>
-              <a:t>23.03.2024</a:t>
+              <a:t>29.03.2024</a:t>
             </a:fld>
             <a:endParaRPr lang="de-DE"/>
           </a:p>
@@ -2910,7 +2911,7 @@
           <a:p>
             <a:fld id="{6FC174DE-D25E-4679-93EE-1F9139E2D4C2}" type="datetimeFigureOut">
               <a:rPr lang="de-DE" smtClean="0"/>
-              <a:t>23.03.2024</a:t>
+              <a:t>29.03.2024</a:t>
             </a:fld>
             <a:endParaRPr lang="de-DE"/>
           </a:p>
@@ -3422,7 +3423,7 @@
         </p:nvSpPr>
         <p:spPr>
           <a:xfrm>
-            <a:off x="4694863" y="1385143"/>
+            <a:off x="4694863" y="1340753"/>
             <a:ext cx="3162854" cy="2585323"/>
           </a:xfrm>
           <a:prstGeom prst="rect">
@@ -3623,7 +3624,7 @@
         </p:nvSpPr>
         <p:spPr>
           <a:xfrm>
-            <a:off x="4694863" y="4375013"/>
+            <a:off x="4694863" y="4330623"/>
             <a:ext cx="3248322" cy="923330"/>
           </a:xfrm>
           <a:prstGeom prst="rect">
@@ -3683,7 +3684,7 @@
         </p:nvSpPr>
         <p:spPr>
           <a:xfrm>
-            <a:off x="4694863" y="6211669"/>
+            <a:off x="4694863" y="6256059"/>
             <a:ext cx="2630080" cy="646331"/>
           </a:xfrm>
           <a:prstGeom prst="rect">
@@ -4570,6 +4571,1292 @@
 </file>
 
 <file path=ppt/slides/slide2.xml><?xml version="1.0" encoding="utf-8"?>
+<p:sld xmlns:a="http://schemas.openxmlformats.org/drawingml/2006/main" xmlns:r="http://schemas.openxmlformats.org/officeDocument/2006/relationships" xmlns:p="http://schemas.openxmlformats.org/presentationml/2006/main">
+  <p:cSld>
+    <p:spTree>
+      <p:nvGrpSpPr>
+        <p:cNvPr id="1" name="">
+          <a:extLst>
+            <a:ext uri="{FF2B5EF4-FFF2-40B4-BE49-F238E27FC236}">
+              <a16:creationId xmlns:a16="http://schemas.microsoft.com/office/drawing/2014/main" id="{F1DA14D4-A7E7-B0CD-4EEB-AB66C4119117}"/>
+            </a:ext>
+          </a:extLst>
+        </p:cNvPr>
+        <p:cNvGrpSpPr/>
+        <p:nvPr/>
+      </p:nvGrpSpPr>
+      <p:grpSpPr>
+        <a:xfrm>
+          <a:off x="0" y="0"/>
+          <a:ext cx="0" cy="0"/>
+          <a:chOff x="0" y="0"/>
+          <a:chExt cx="0" cy="0"/>
+        </a:xfrm>
+      </p:grpSpPr>
+      <p:pic>
+        <p:nvPicPr>
+          <p:cNvPr id="3" name="Grafik 2">
+            <a:extLst>
+              <a:ext uri="{FF2B5EF4-FFF2-40B4-BE49-F238E27FC236}">
+                <a16:creationId xmlns:a16="http://schemas.microsoft.com/office/drawing/2014/main" id="{FE826228-FAE7-5213-03D3-BAB2E6962074}"/>
+              </a:ext>
+            </a:extLst>
+          </p:cNvPr>
+          <p:cNvPicPr>
+            <a:picLocks noChangeAspect="1"/>
+          </p:cNvPicPr>
+          <p:nvPr/>
+        </p:nvPicPr>
+        <p:blipFill>
+          <a:blip r:embed="rId2"/>
+          <a:stretch>
+            <a:fillRect/>
+          </a:stretch>
+        </p:blipFill>
+        <p:spPr>
+          <a:xfrm>
+            <a:off x="84844" y="15902"/>
+            <a:ext cx="5200768" cy="6617616"/>
+          </a:xfrm>
+          <a:prstGeom prst="rect">
+            <a:avLst/>
+          </a:prstGeom>
+        </p:spPr>
+      </p:pic>
+      <p:sp>
+        <p:nvSpPr>
+          <p:cNvPr id="4" name="Rechteck 3">
+            <a:extLst>
+              <a:ext uri="{FF2B5EF4-FFF2-40B4-BE49-F238E27FC236}">
+                <a16:creationId xmlns:a16="http://schemas.microsoft.com/office/drawing/2014/main" id="{3C32CC18-3E7D-BA00-FD2E-E1F16A136261}"/>
+              </a:ext>
+            </a:extLst>
+          </p:cNvPr>
+          <p:cNvSpPr/>
+          <p:nvPr/>
+        </p:nvSpPr>
+        <p:spPr>
+          <a:xfrm>
+            <a:off x="84843" y="1403997"/>
+            <a:ext cx="4657155" cy="2894029"/>
+          </a:xfrm>
+          <a:prstGeom prst="rect">
+            <a:avLst/>
+          </a:prstGeom>
+          <a:solidFill>
+            <a:schemeClr val="accent1">
+              <a:alpha val="20000"/>
+            </a:schemeClr>
+          </a:solidFill>
+        </p:spPr>
+        <p:style>
+          <a:lnRef idx="2">
+            <a:schemeClr val="accent1">
+              <a:shade val="15000"/>
+            </a:schemeClr>
+          </a:lnRef>
+          <a:fillRef idx="1">
+            <a:schemeClr val="accent1"/>
+          </a:fillRef>
+          <a:effectRef idx="0">
+            <a:schemeClr val="accent1"/>
+          </a:effectRef>
+          <a:fontRef idx="minor">
+            <a:schemeClr val="lt1"/>
+          </a:fontRef>
+        </p:style>
+        <p:txBody>
+          <a:bodyPr rtlCol="0" anchor="ctr"/>
+          <a:lstStyle/>
+          <a:p>
+            <a:pPr algn="ctr"/>
+            <a:endParaRPr lang="de-DE"/>
+          </a:p>
+        </p:txBody>
+      </p:sp>
+      <p:sp>
+        <p:nvSpPr>
+          <p:cNvPr id="6" name="Textfeld 5">
+            <a:extLst>
+              <a:ext uri="{FF2B5EF4-FFF2-40B4-BE49-F238E27FC236}">
+                <a16:creationId xmlns:a16="http://schemas.microsoft.com/office/drawing/2014/main" id="{FB7EA3C5-A93A-3AED-B9C7-C8CE82BB0833}"/>
+              </a:ext>
+            </a:extLst>
+          </p:cNvPr>
+          <p:cNvSpPr txBox="1"/>
+          <p:nvPr/>
+        </p:nvSpPr>
+        <p:spPr>
+          <a:xfrm>
+            <a:off x="4694863" y="1340753"/>
+            <a:ext cx="3162854" cy="2585323"/>
+          </a:xfrm>
+          <a:prstGeom prst="rect">
+            <a:avLst/>
+          </a:prstGeom>
+          <a:noFill/>
+        </p:spPr>
+        <p:txBody>
+          <a:bodyPr wrap="square" rtlCol="0">
+            <a:spAutoFit/>
+          </a:bodyPr>
+          <a:lstStyle/>
+          <a:p>
+            <a:r>
+              <a:rPr lang="de-DE" b="1" noProof="1"/>
+              <a:t>Block 1 </a:t>
+            </a:r>
+            <a:r>
+              <a:rPr lang="de-DE" noProof="1"/>
+              <a:t>„UI“: </a:t>
+            </a:r>
+            <a:r>
+              <a:rPr lang="de-DE" b="1" i="1" noProof="1">
+                <a:solidFill>
+                  <a:schemeClr val="accent1">
+                    <a:lumMod val="50000"/>
+                  </a:schemeClr>
+                </a:solidFill>
+              </a:rPr>
+              <a:t>User Interface</a:t>
+            </a:r>
+            <a:br>
+              <a:rPr lang="de-DE" noProof="1"/>
+            </a:br>
+            <a:r>
+              <a:rPr lang="de-DE" noProof="1"/>
+              <a:t>Das Layout der App.</a:t>
+            </a:r>
+          </a:p>
+          <a:p>
+            <a:endParaRPr lang="de-DE" noProof="1"/>
+          </a:p>
+          <a:p>
+            <a:endParaRPr lang="de-DE" noProof="1"/>
+          </a:p>
+          <a:p>
+            <a:r>
+              <a:rPr lang="de-DE" noProof="1"/>
+              <a:t>Input heißt „input$bins“</a:t>
+            </a:r>
+          </a:p>
+          <a:p>
+            <a:endParaRPr lang="de-DE" noProof="1"/>
+          </a:p>
+          <a:p>
+            <a:endParaRPr lang="de-DE" noProof="1"/>
+          </a:p>
+          <a:p>
+            <a:endParaRPr lang="de-DE" noProof="1"/>
+          </a:p>
+          <a:p>
+            <a:r>
+              <a:rPr lang="de-DE" noProof="1"/>
+              <a:t>Output heißt „output$distPlot“</a:t>
+            </a:r>
+          </a:p>
+        </p:txBody>
+      </p:sp>
+      <p:sp>
+        <p:nvSpPr>
+          <p:cNvPr id="7" name="Rechteck 6">
+            <a:extLst>
+              <a:ext uri="{FF2B5EF4-FFF2-40B4-BE49-F238E27FC236}">
+                <a16:creationId xmlns:a16="http://schemas.microsoft.com/office/drawing/2014/main" id="{2D771004-C527-84D5-4E18-B295B6DC1391}"/>
+              </a:ext>
+            </a:extLst>
+          </p:cNvPr>
+          <p:cNvSpPr/>
+          <p:nvPr/>
+        </p:nvSpPr>
+        <p:spPr>
+          <a:xfrm>
+            <a:off x="84844" y="4393867"/>
+            <a:ext cx="4657156" cy="1836656"/>
+          </a:xfrm>
+          <a:prstGeom prst="rect">
+            <a:avLst/>
+          </a:prstGeom>
+          <a:solidFill>
+            <a:schemeClr val="accent1">
+              <a:alpha val="20000"/>
+            </a:schemeClr>
+          </a:solidFill>
+        </p:spPr>
+        <p:style>
+          <a:lnRef idx="2">
+            <a:schemeClr val="accent1">
+              <a:shade val="15000"/>
+            </a:schemeClr>
+          </a:lnRef>
+          <a:fillRef idx="1">
+            <a:schemeClr val="accent1"/>
+          </a:fillRef>
+          <a:effectRef idx="0">
+            <a:schemeClr val="accent1"/>
+          </a:effectRef>
+          <a:fontRef idx="minor">
+            <a:schemeClr val="lt1"/>
+          </a:fontRef>
+        </p:style>
+        <p:txBody>
+          <a:bodyPr rtlCol="0" anchor="ctr"/>
+          <a:lstStyle/>
+          <a:p>
+            <a:pPr algn="ctr"/>
+            <a:endParaRPr lang="de-DE"/>
+          </a:p>
+        </p:txBody>
+      </p:sp>
+      <p:sp>
+        <p:nvSpPr>
+          <p:cNvPr id="8" name="Rechteck 7">
+            <a:extLst>
+              <a:ext uri="{FF2B5EF4-FFF2-40B4-BE49-F238E27FC236}">
+                <a16:creationId xmlns:a16="http://schemas.microsoft.com/office/drawing/2014/main" id="{A29DF573-62E5-E44A-C872-BE034A8234A9}"/>
+              </a:ext>
+            </a:extLst>
+          </p:cNvPr>
+          <p:cNvSpPr/>
+          <p:nvPr/>
+        </p:nvSpPr>
+        <p:spPr>
+          <a:xfrm>
+            <a:off x="84843" y="6326364"/>
+            <a:ext cx="4657155" cy="307154"/>
+          </a:xfrm>
+          <a:prstGeom prst="rect">
+            <a:avLst/>
+          </a:prstGeom>
+          <a:solidFill>
+            <a:schemeClr val="accent1">
+              <a:alpha val="20000"/>
+            </a:schemeClr>
+          </a:solidFill>
+        </p:spPr>
+        <p:style>
+          <a:lnRef idx="2">
+            <a:schemeClr val="accent1">
+              <a:shade val="15000"/>
+            </a:schemeClr>
+          </a:lnRef>
+          <a:fillRef idx="1">
+            <a:schemeClr val="accent1"/>
+          </a:fillRef>
+          <a:effectRef idx="0">
+            <a:schemeClr val="accent1"/>
+          </a:effectRef>
+          <a:fontRef idx="minor">
+            <a:schemeClr val="lt1"/>
+          </a:fontRef>
+        </p:style>
+        <p:txBody>
+          <a:bodyPr rtlCol="0" anchor="ctr"/>
+          <a:lstStyle/>
+          <a:p>
+            <a:pPr algn="ctr"/>
+            <a:endParaRPr lang="de-DE"/>
+          </a:p>
+        </p:txBody>
+      </p:sp>
+      <p:sp>
+        <p:nvSpPr>
+          <p:cNvPr id="9" name="Textfeld 8">
+            <a:extLst>
+              <a:ext uri="{FF2B5EF4-FFF2-40B4-BE49-F238E27FC236}">
+                <a16:creationId xmlns:a16="http://schemas.microsoft.com/office/drawing/2014/main" id="{751170B0-9189-ECD7-6039-FBAA2B00FE27}"/>
+              </a:ext>
+            </a:extLst>
+          </p:cNvPr>
+          <p:cNvSpPr txBox="1"/>
+          <p:nvPr/>
+        </p:nvSpPr>
+        <p:spPr>
+          <a:xfrm>
+            <a:off x="4694863" y="4330623"/>
+            <a:ext cx="3248322" cy="923330"/>
+          </a:xfrm>
+          <a:prstGeom prst="rect">
+            <a:avLst/>
+          </a:prstGeom>
+          <a:noFill/>
+        </p:spPr>
+        <p:txBody>
+          <a:bodyPr wrap="square" rtlCol="0">
+            <a:spAutoFit/>
+          </a:bodyPr>
+          <a:lstStyle/>
+          <a:p>
+            <a:r>
+              <a:rPr lang="de-DE" b="1" dirty="0"/>
+              <a:t>Block 2</a:t>
+            </a:r>
+            <a:r>
+              <a:rPr lang="de-DE" dirty="0"/>
+              <a:t> „Server“: </a:t>
+            </a:r>
+            <a:r>
+              <a:rPr lang="de-DE" b="1" i="1" dirty="0">
+                <a:solidFill>
+                  <a:schemeClr val="accent1">
+                    <a:lumMod val="50000"/>
+                  </a:schemeClr>
+                </a:solidFill>
+              </a:rPr>
+              <a:t>Logik der App. </a:t>
+            </a:r>
+            <a:r>
+              <a:rPr lang="de-DE" dirty="0"/>
+              <a:t>(Verbindung von </a:t>
+            </a:r>
+            <a:br>
+              <a:rPr lang="de-DE" dirty="0"/>
+            </a:br>
+            <a:r>
+              <a:rPr lang="de-DE" dirty="0"/>
+              <a:t> Input und Output) </a:t>
+            </a:r>
+          </a:p>
+        </p:txBody>
+      </p:sp>
+      <p:sp>
+        <p:nvSpPr>
+          <p:cNvPr id="10" name="Textfeld 9">
+            <a:extLst>
+              <a:ext uri="{FF2B5EF4-FFF2-40B4-BE49-F238E27FC236}">
+                <a16:creationId xmlns:a16="http://schemas.microsoft.com/office/drawing/2014/main" id="{19E89F29-C1C6-A2F5-424F-DA44A19DF751}"/>
+              </a:ext>
+            </a:extLst>
+          </p:cNvPr>
+          <p:cNvSpPr txBox="1"/>
+          <p:nvPr/>
+        </p:nvSpPr>
+        <p:spPr>
+          <a:xfrm>
+            <a:off x="4694863" y="6256059"/>
+            <a:ext cx="2630080" cy="646331"/>
+          </a:xfrm>
+          <a:prstGeom prst="rect">
+            <a:avLst/>
+          </a:prstGeom>
+          <a:noFill/>
+        </p:spPr>
+        <p:txBody>
+          <a:bodyPr wrap="square" rtlCol="0">
+            <a:spAutoFit/>
+          </a:bodyPr>
+          <a:lstStyle/>
+          <a:p>
+            <a:r>
+              <a:rPr lang="de-DE" b="1" dirty="0"/>
+              <a:t>Block 3</a:t>
+            </a:r>
+            <a:r>
+              <a:rPr lang="de-DE" dirty="0"/>
+              <a:t>: Verknüpfung von „UI“ und „Server“</a:t>
+            </a:r>
+          </a:p>
+        </p:txBody>
+      </p:sp>
+      <p:sp>
+        <p:nvSpPr>
+          <p:cNvPr id="11" name="Ellipse 10">
+            <a:extLst>
+              <a:ext uri="{FF2B5EF4-FFF2-40B4-BE49-F238E27FC236}">
+                <a16:creationId xmlns:a16="http://schemas.microsoft.com/office/drawing/2014/main" id="{E12C21DC-36C2-D739-18D9-EBD423A0152A}"/>
+              </a:ext>
+            </a:extLst>
+          </p:cNvPr>
+          <p:cNvSpPr/>
+          <p:nvPr/>
+        </p:nvSpPr>
+        <p:spPr>
+          <a:xfrm>
+            <a:off x="471657" y="2265425"/>
+            <a:ext cx="1055802" cy="226244"/>
+          </a:xfrm>
+          <a:prstGeom prst="ellipse">
+            <a:avLst/>
+          </a:prstGeom>
+          <a:solidFill>
+            <a:srgbClr val="FF0000">
+              <a:alpha val="20000"/>
+            </a:srgbClr>
+          </a:solidFill>
+          <a:ln>
+            <a:solidFill>
+              <a:schemeClr val="accent1">
+                <a:lumMod val="75000"/>
+              </a:schemeClr>
+            </a:solidFill>
+          </a:ln>
+        </p:spPr>
+        <p:style>
+          <a:lnRef idx="2">
+            <a:schemeClr val="accent1">
+              <a:shade val="15000"/>
+            </a:schemeClr>
+          </a:lnRef>
+          <a:fillRef idx="1">
+            <a:schemeClr val="accent1"/>
+          </a:fillRef>
+          <a:effectRef idx="0">
+            <a:schemeClr val="accent1"/>
+          </a:effectRef>
+          <a:fontRef idx="minor">
+            <a:schemeClr val="lt1"/>
+          </a:fontRef>
+        </p:style>
+        <p:txBody>
+          <a:bodyPr rtlCol="0" anchor="ctr"/>
+          <a:lstStyle/>
+          <a:p>
+            <a:pPr algn="ctr"/>
+            <a:endParaRPr lang="de-DE"/>
+          </a:p>
+        </p:txBody>
+      </p:sp>
+      <p:sp>
+        <p:nvSpPr>
+          <p:cNvPr id="12" name="Ellipse 11">
+            <a:extLst>
+              <a:ext uri="{FF2B5EF4-FFF2-40B4-BE49-F238E27FC236}">
+                <a16:creationId xmlns:a16="http://schemas.microsoft.com/office/drawing/2014/main" id="{70C60780-CAD4-68D3-D66F-F462272FB24A}"/>
+              </a:ext>
+            </a:extLst>
+          </p:cNvPr>
+          <p:cNvSpPr/>
+          <p:nvPr/>
+        </p:nvSpPr>
+        <p:spPr>
+          <a:xfrm>
+            <a:off x="471657" y="1891836"/>
+            <a:ext cx="1055802" cy="226244"/>
+          </a:xfrm>
+          <a:prstGeom prst="ellipse">
+            <a:avLst/>
+          </a:prstGeom>
+          <a:solidFill>
+            <a:srgbClr val="FF0000">
+              <a:alpha val="20000"/>
+            </a:srgbClr>
+          </a:solidFill>
+          <a:ln>
+            <a:solidFill>
+              <a:schemeClr val="accent1">
+                <a:lumMod val="75000"/>
+              </a:schemeClr>
+            </a:solidFill>
+          </a:ln>
+        </p:spPr>
+        <p:style>
+          <a:lnRef idx="2">
+            <a:schemeClr val="accent1">
+              <a:shade val="15000"/>
+            </a:schemeClr>
+          </a:lnRef>
+          <a:fillRef idx="1">
+            <a:schemeClr val="accent1"/>
+          </a:fillRef>
+          <a:effectRef idx="0">
+            <a:schemeClr val="accent1"/>
+          </a:effectRef>
+          <a:fontRef idx="minor">
+            <a:schemeClr val="lt1"/>
+          </a:fontRef>
+        </p:style>
+        <p:txBody>
+          <a:bodyPr rtlCol="0" anchor="ctr"/>
+          <a:lstStyle/>
+          <a:p>
+            <a:pPr algn="ctr"/>
+            <a:endParaRPr lang="de-DE"/>
+          </a:p>
+        </p:txBody>
+      </p:sp>
+      <p:sp>
+        <p:nvSpPr>
+          <p:cNvPr id="13" name="Ellipse 12">
+            <a:extLst>
+              <a:ext uri="{FF2B5EF4-FFF2-40B4-BE49-F238E27FC236}">
+                <a16:creationId xmlns:a16="http://schemas.microsoft.com/office/drawing/2014/main" id="{17ED1AA0-EC38-6AF2-7119-F6A3E31AC997}"/>
+              </a:ext>
+            </a:extLst>
+          </p:cNvPr>
+          <p:cNvSpPr/>
+          <p:nvPr/>
+        </p:nvSpPr>
+        <p:spPr>
+          <a:xfrm>
+            <a:off x="719478" y="3581591"/>
+            <a:ext cx="1055802" cy="226244"/>
+          </a:xfrm>
+          <a:prstGeom prst="ellipse">
+            <a:avLst/>
+          </a:prstGeom>
+          <a:solidFill>
+            <a:srgbClr val="FF0000">
+              <a:alpha val="10000"/>
+            </a:srgbClr>
+          </a:solidFill>
+          <a:ln>
+            <a:solidFill>
+              <a:schemeClr val="accent1">
+                <a:lumMod val="75000"/>
+              </a:schemeClr>
+            </a:solidFill>
+          </a:ln>
+        </p:spPr>
+        <p:style>
+          <a:lnRef idx="2">
+            <a:schemeClr val="accent1">
+              <a:shade val="15000"/>
+            </a:schemeClr>
+          </a:lnRef>
+          <a:fillRef idx="1">
+            <a:schemeClr val="accent1"/>
+          </a:fillRef>
+          <a:effectRef idx="0">
+            <a:schemeClr val="accent1"/>
+          </a:effectRef>
+          <a:fontRef idx="minor">
+            <a:schemeClr val="lt1"/>
+          </a:fontRef>
+        </p:style>
+        <p:txBody>
+          <a:bodyPr rtlCol="0" anchor="ctr"/>
+          <a:lstStyle/>
+          <a:p>
+            <a:pPr algn="ctr"/>
+            <a:endParaRPr lang="de-DE"/>
+          </a:p>
+        </p:txBody>
+      </p:sp>
+      <p:sp>
+        <p:nvSpPr>
+          <p:cNvPr id="14" name="Ellipse 13">
+            <a:extLst>
+              <a:ext uri="{FF2B5EF4-FFF2-40B4-BE49-F238E27FC236}">
+                <a16:creationId xmlns:a16="http://schemas.microsoft.com/office/drawing/2014/main" id="{31809C88-56F0-C40D-D615-4B7ECA31A6C6}"/>
+              </a:ext>
+            </a:extLst>
+          </p:cNvPr>
+          <p:cNvSpPr/>
+          <p:nvPr/>
+        </p:nvSpPr>
+        <p:spPr>
+          <a:xfrm>
+            <a:off x="558069" y="4734018"/>
+            <a:ext cx="1055802" cy="226244"/>
+          </a:xfrm>
+          <a:prstGeom prst="ellipse">
+            <a:avLst/>
+          </a:prstGeom>
+          <a:solidFill>
+            <a:srgbClr val="FFFF00">
+              <a:alpha val="10000"/>
+            </a:srgbClr>
+          </a:solidFill>
+          <a:ln>
+            <a:solidFill>
+              <a:schemeClr val="accent2">
+                <a:lumMod val="50000"/>
+              </a:schemeClr>
+            </a:solidFill>
+          </a:ln>
+        </p:spPr>
+        <p:style>
+          <a:lnRef idx="2">
+            <a:schemeClr val="accent1">
+              <a:shade val="15000"/>
+            </a:schemeClr>
+          </a:lnRef>
+          <a:fillRef idx="1">
+            <a:schemeClr val="accent1"/>
+          </a:fillRef>
+          <a:effectRef idx="0">
+            <a:schemeClr val="accent1"/>
+          </a:effectRef>
+          <a:fontRef idx="minor">
+            <a:schemeClr val="lt1"/>
+          </a:fontRef>
+        </p:style>
+        <p:txBody>
+          <a:bodyPr rtlCol="0" anchor="ctr"/>
+          <a:lstStyle/>
+          <a:p>
+            <a:pPr algn="ctr"/>
+            <a:endParaRPr lang="de-DE"/>
+          </a:p>
+        </p:txBody>
+      </p:sp>
+      <p:sp>
+        <p:nvSpPr>
+          <p:cNvPr id="15" name="Ellipse 14">
+            <a:extLst>
+              <a:ext uri="{FF2B5EF4-FFF2-40B4-BE49-F238E27FC236}">
+                <a16:creationId xmlns:a16="http://schemas.microsoft.com/office/drawing/2014/main" id="{82687E0E-A0B5-275F-8BFE-31C4444D565D}"/>
+              </a:ext>
+            </a:extLst>
+          </p:cNvPr>
+          <p:cNvSpPr/>
+          <p:nvPr/>
+        </p:nvSpPr>
+        <p:spPr>
+          <a:xfrm>
+            <a:off x="1582291" y="3694713"/>
+            <a:ext cx="1055802" cy="226244"/>
+          </a:xfrm>
+          <a:prstGeom prst="ellipse">
+            <a:avLst/>
+          </a:prstGeom>
+          <a:solidFill>
+            <a:srgbClr val="FFFF00">
+              <a:alpha val="10000"/>
+            </a:srgbClr>
+          </a:solidFill>
+          <a:ln>
+            <a:solidFill>
+              <a:schemeClr val="accent2">
+                <a:lumMod val="50000"/>
+              </a:schemeClr>
+            </a:solidFill>
+          </a:ln>
+        </p:spPr>
+        <p:style>
+          <a:lnRef idx="2">
+            <a:schemeClr val="accent1">
+              <a:shade val="15000"/>
+            </a:schemeClr>
+          </a:lnRef>
+          <a:fillRef idx="1">
+            <a:schemeClr val="accent1"/>
+          </a:fillRef>
+          <a:effectRef idx="0">
+            <a:schemeClr val="accent1"/>
+          </a:effectRef>
+          <a:fontRef idx="minor">
+            <a:schemeClr val="lt1"/>
+          </a:fontRef>
+        </p:style>
+        <p:txBody>
+          <a:bodyPr rtlCol="0" anchor="ctr"/>
+          <a:lstStyle/>
+          <a:p>
+            <a:pPr algn="ctr"/>
+            <a:endParaRPr lang="de-DE"/>
+          </a:p>
+        </p:txBody>
+      </p:sp>
+      <p:sp>
+        <p:nvSpPr>
+          <p:cNvPr id="16" name="Ellipse 15">
+            <a:extLst>
+              <a:ext uri="{FF2B5EF4-FFF2-40B4-BE49-F238E27FC236}">
+                <a16:creationId xmlns:a16="http://schemas.microsoft.com/office/drawing/2014/main" id="{82B57550-863F-6862-8C32-60956238ED54}"/>
+              </a:ext>
+            </a:extLst>
+          </p:cNvPr>
+          <p:cNvSpPr/>
+          <p:nvPr/>
+        </p:nvSpPr>
+        <p:spPr>
+          <a:xfrm>
+            <a:off x="1500601" y="2542286"/>
+            <a:ext cx="1055802" cy="226244"/>
+          </a:xfrm>
+          <a:prstGeom prst="ellipse">
+            <a:avLst/>
+          </a:prstGeom>
+          <a:solidFill>
+            <a:srgbClr val="FFFF00">
+              <a:alpha val="30000"/>
+            </a:srgbClr>
+          </a:solidFill>
+          <a:ln>
+            <a:solidFill>
+              <a:srgbClr val="7030A0"/>
+            </a:solidFill>
+          </a:ln>
+        </p:spPr>
+        <p:style>
+          <a:lnRef idx="2">
+            <a:schemeClr val="accent1">
+              <a:shade val="15000"/>
+            </a:schemeClr>
+          </a:lnRef>
+          <a:fillRef idx="1">
+            <a:schemeClr val="accent1"/>
+          </a:fillRef>
+          <a:effectRef idx="0">
+            <a:schemeClr val="accent1"/>
+          </a:effectRef>
+          <a:fontRef idx="minor">
+            <a:schemeClr val="lt1"/>
+          </a:fontRef>
+        </p:style>
+        <p:txBody>
+          <a:bodyPr rtlCol="0" anchor="ctr"/>
+          <a:lstStyle/>
+          <a:p>
+            <a:pPr algn="ctr"/>
+            <a:endParaRPr lang="de-DE"/>
+          </a:p>
+        </p:txBody>
+      </p:sp>
+      <p:sp>
+        <p:nvSpPr>
+          <p:cNvPr id="17" name="Ellipse 16">
+            <a:extLst>
+              <a:ext uri="{FF2B5EF4-FFF2-40B4-BE49-F238E27FC236}">
+                <a16:creationId xmlns:a16="http://schemas.microsoft.com/office/drawing/2014/main" id="{0E36D498-CE55-A766-EB5B-6D7A8F96B163}"/>
+              </a:ext>
+            </a:extLst>
+          </p:cNvPr>
+          <p:cNvSpPr/>
+          <p:nvPr/>
+        </p:nvSpPr>
+        <p:spPr>
+          <a:xfrm>
+            <a:off x="3382968" y="5115020"/>
+            <a:ext cx="1055802" cy="226244"/>
+          </a:xfrm>
+          <a:prstGeom prst="ellipse">
+            <a:avLst/>
+          </a:prstGeom>
+          <a:solidFill>
+            <a:srgbClr val="FFFF00">
+              <a:alpha val="30000"/>
+            </a:srgbClr>
+          </a:solidFill>
+          <a:ln>
+            <a:solidFill>
+              <a:srgbClr val="7030A0"/>
+            </a:solidFill>
+          </a:ln>
+        </p:spPr>
+        <p:style>
+          <a:lnRef idx="2">
+            <a:schemeClr val="accent1">
+              <a:shade val="15000"/>
+            </a:schemeClr>
+          </a:lnRef>
+          <a:fillRef idx="1">
+            <a:schemeClr val="accent1"/>
+          </a:fillRef>
+          <a:effectRef idx="0">
+            <a:schemeClr val="accent1"/>
+          </a:effectRef>
+          <a:fontRef idx="minor">
+            <a:schemeClr val="lt1"/>
+          </a:fontRef>
+        </p:style>
+        <p:txBody>
+          <a:bodyPr rtlCol="0" anchor="ctr"/>
+          <a:lstStyle/>
+          <a:p>
+            <a:pPr algn="ctr"/>
+            <a:endParaRPr lang="de-DE"/>
+          </a:p>
+        </p:txBody>
+      </p:sp>
+      <p:cxnSp>
+        <p:nvCxnSpPr>
+          <p:cNvPr id="19" name="Gerade Verbindung mit Pfeil 18">
+            <a:extLst>
+              <a:ext uri="{FF2B5EF4-FFF2-40B4-BE49-F238E27FC236}">
+                <a16:creationId xmlns:a16="http://schemas.microsoft.com/office/drawing/2014/main" id="{8F03B57C-AB90-674F-02C0-E35CE4696E68}"/>
+              </a:ext>
+            </a:extLst>
+          </p:cNvPr>
+          <p:cNvCxnSpPr>
+            <a:cxnSpLocks/>
+            <a:stCxn id="16" idx="5"/>
+          </p:cNvCxnSpPr>
+          <p:nvPr/>
+        </p:nvCxnSpPr>
+        <p:spPr>
+          <a:xfrm>
+            <a:off x="2401784" y="2735397"/>
+            <a:ext cx="1260697" cy="2379623"/>
+          </a:xfrm>
+          <a:prstGeom prst="straightConnector1">
+            <a:avLst/>
+          </a:prstGeom>
+          <a:ln w="19050">
+            <a:solidFill>
+              <a:srgbClr val="7030A0"/>
+            </a:solidFill>
+            <a:tailEnd type="triangle"/>
+          </a:ln>
+        </p:spPr>
+        <p:style>
+          <a:lnRef idx="1">
+            <a:schemeClr val="accent1"/>
+          </a:lnRef>
+          <a:fillRef idx="0">
+            <a:schemeClr val="accent1"/>
+          </a:fillRef>
+          <a:effectRef idx="0">
+            <a:schemeClr val="accent1"/>
+          </a:effectRef>
+          <a:fontRef idx="minor">
+            <a:schemeClr val="tx1"/>
+          </a:fontRef>
+        </p:style>
+      </p:cxnSp>
+      <p:cxnSp>
+        <p:nvCxnSpPr>
+          <p:cNvPr id="23" name="Gerade Verbindung mit Pfeil 22">
+            <a:extLst>
+              <a:ext uri="{FF2B5EF4-FFF2-40B4-BE49-F238E27FC236}">
+                <a16:creationId xmlns:a16="http://schemas.microsoft.com/office/drawing/2014/main" id="{6E1DC20A-E379-E8A0-6B3C-FF602462BAA8}"/>
+              </a:ext>
+            </a:extLst>
+          </p:cNvPr>
+          <p:cNvCxnSpPr>
+            <a:cxnSpLocks/>
+          </p:cNvCxnSpPr>
+          <p:nvPr/>
+        </p:nvCxnSpPr>
+        <p:spPr>
+          <a:xfrm flipV="1">
+            <a:off x="1259071" y="3920957"/>
+            <a:ext cx="730301" cy="813061"/>
+          </a:xfrm>
+          <a:prstGeom prst="straightConnector1">
+            <a:avLst/>
+          </a:prstGeom>
+          <a:ln w="19050">
+            <a:solidFill>
+              <a:schemeClr val="accent2">
+                <a:lumMod val="50000"/>
+              </a:schemeClr>
+            </a:solidFill>
+            <a:tailEnd type="triangle"/>
+          </a:ln>
+        </p:spPr>
+        <p:style>
+          <a:lnRef idx="1">
+            <a:schemeClr val="accent1"/>
+          </a:lnRef>
+          <a:fillRef idx="0">
+            <a:schemeClr val="accent1"/>
+          </a:fillRef>
+          <a:effectRef idx="0">
+            <a:schemeClr val="accent1"/>
+          </a:effectRef>
+          <a:fontRef idx="minor">
+            <a:schemeClr val="tx1"/>
+          </a:fontRef>
+        </p:style>
+      </p:cxnSp>
+      <p:sp>
+        <p:nvSpPr>
+          <p:cNvPr id="28" name="Rechteck 27">
+            <a:extLst>
+              <a:ext uri="{FF2B5EF4-FFF2-40B4-BE49-F238E27FC236}">
+                <a16:creationId xmlns:a16="http://schemas.microsoft.com/office/drawing/2014/main" id="{C5BB9CCA-4174-C721-BC48-97336A8AC1D9}"/>
+              </a:ext>
+            </a:extLst>
+          </p:cNvPr>
+          <p:cNvSpPr/>
+          <p:nvPr/>
+        </p:nvSpPr>
+        <p:spPr>
+          <a:xfrm>
+            <a:off x="7922457" y="2495811"/>
+            <a:ext cx="3403262" cy="2862654"/>
+          </a:xfrm>
+          <a:prstGeom prst="rect">
+            <a:avLst/>
+          </a:prstGeom>
+          <a:noFill/>
+          <a:ln>
+            <a:solidFill>
+              <a:schemeClr val="tx1"/>
+            </a:solidFill>
+          </a:ln>
+        </p:spPr>
+        <p:style>
+          <a:lnRef idx="2">
+            <a:schemeClr val="accent1">
+              <a:shade val="15000"/>
+            </a:schemeClr>
+          </a:lnRef>
+          <a:fillRef idx="1">
+            <a:schemeClr val="accent1"/>
+          </a:fillRef>
+          <a:effectRef idx="0">
+            <a:schemeClr val="accent1"/>
+          </a:effectRef>
+          <a:fontRef idx="minor">
+            <a:schemeClr val="lt1"/>
+          </a:fontRef>
+        </p:style>
+        <p:txBody>
+          <a:bodyPr rtlCol="0" anchor="ctr"/>
+          <a:lstStyle/>
+          <a:p>
+            <a:pPr algn="ctr"/>
+            <a:endParaRPr lang="de-DE"/>
+          </a:p>
+        </p:txBody>
+      </p:sp>
+      <p:cxnSp>
+        <p:nvCxnSpPr>
+          <p:cNvPr id="30" name="Gerader Verbinder 29">
+            <a:extLst>
+              <a:ext uri="{FF2B5EF4-FFF2-40B4-BE49-F238E27FC236}">
+                <a16:creationId xmlns:a16="http://schemas.microsoft.com/office/drawing/2014/main" id="{9B9A4673-E6DF-0EDF-27DD-C37D070C38FF}"/>
+              </a:ext>
+            </a:extLst>
+          </p:cNvPr>
+          <p:cNvCxnSpPr>
+            <a:cxnSpLocks/>
+          </p:cNvCxnSpPr>
+          <p:nvPr/>
+        </p:nvCxnSpPr>
+        <p:spPr>
+          <a:xfrm>
+            <a:off x="7814822" y="113122"/>
+            <a:ext cx="0" cy="6655323"/>
+          </a:xfrm>
+          <a:prstGeom prst="line">
+            <a:avLst/>
+          </a:prstGeom>
+          <a:ln>
+            <a:prstDash val="dash"/>
+          </a:ln>
+        </p:spPr>
+        <p:style>
+          <a:lnRef idx="1">
+            <a:schemeClr val="accent1"/>
+          </a:lnRef>
+          <a:fillRef idx="0">
+            <a:schemeClr val="accent1"/>
+          </a:fillRef>
+          <a:effectRef idx="0">
+            <a:schemeClr val="accent1"/>
+          </a:effectRef>
+          <a:fontRef idx="minor">
+            <a:schemeClr val="tx1"/>
+          </a:fontRef>
+        </p:style>
+      </p:cxnSp>
+      <p:sp>
+        <p:nvSpPr>
+          <p:cNvPr id="2" name="Ellipse 1">
+            <a:extLst>
+              <a:ext uri="{FF2B5EF4-FFF2-40B4-BE49-F238E27FC236}">
+                <a16:creationId xmlns:a16="http://schemas.microsoft.com/office/drawing/2014/main" id="{D7C9DFD3-3B68-9B8F-A0A7-2858CCA10740}"/>
+              </a:ext>
+            </a:extLst>
+          </p:cNvPr>
+          <p:cNvSpPr/>
+          <p:nvPr/>
+        </p:nvSpPr>
+        <p:spPr>
+          <a:xfrm>
+            <a:off x="719478" y="2432690"/>
+            <a:ext cx="1055802" cy="226244"/>
+          </a:xfrm>
+          <a:prstGeom prst="ellipse">
+            <a:avLst/>
+          </a:prstGeom>
+          <a:solidFill>
+            <a:srgbClr val="FF0000">
+              <a:alpha val="10000"/>
+            </a:srgbClr>
+          </a:solidFill>
+          <a:ln>
+            <a:solidFill>
+              <a:schemeClr val="accent1">
+                <a:lumMod val="75000"/>
+              </a:schemeClr>
+            </a:solidFill>
+          </a:ln>
+        </p:spPr>
+        <p:style>
+          <a:lnRef idx="2">
+            <a:schemeClr val="accent1">
+              <a:shade val="15000"/>
+            </a:schemeClr>
+          </a:lnRef>
+          <a:fillRef idx="1">
+            <a:schemeClr val="accent1"/>
+          </a:fillRef>
+          <a:effectRef idx="0">
+            <a:schemeClr val="accent1"/>
+          </a:effectRef>
+          <a:fontRef idx="minor">
+            <a:schemeClr val="lt1"/>
+          </a:fontRef>
+        </p:style>
+        <p:txBody>
+          <a:bodyPr rtlCol="0" anchor="ctr"/>
+          <a:lstStyle/>
+          <a:p>
+            <a:pPr algn="ctr"/>
+            <a:endParaRPr lang="de-DE"/>
+          </a:p>
+        </p:txBody>
+      </p:sp>
+      <p:sp>
+        <p:nvSpPr>
+          <p:cNvPr id="5" name="Ellipse 4">
+            <a:extLst>
+              <a:ext uri="{FF2B5EF4-FFF2-40B4-BE49-F238E27FC236}">
+                <a16:creationId xmlns:a16="http://schemas.microsoft.com/office/drawing/2014/main" id="{FD26B5BC-26E0-CC90-61A9-3C660F47E1DE}"/>
+              </a:ext>
+            </a:extLst>
+          </p:cNvPr>
+          <p:cNvSpPr/>
+          <p:nvPr/>
+        </p:nvSpPr>
+        <p:spPr>
+          <a:xfrm>
+            <a:off x="321276" y="1488841"/>
+            <a:ext cx="1206183" cy="255650"/>
+          </a:xfrm>
+          <a:prstGeom prst="ellipse">
+            <a:avLst/>
+          </a:prstGeom>
+          <a:solidFill>
+            <a:srgbClr val="FF0000">
+              <a:alpha val="30000"/>
+            </a:srgbClr>
+          </a:solidFill>
+          <a:ln>
+            <a:solidFill>
+              <a:schemeClr val="accent1">
+                <a:lumMod val="75000"/>
+              </a:schemeClr>
+            </a:solidFill>
+          </a:ln>
+        </p:spPr>
+        <p:style>
+          <a:lnRef idx="2">
+            <a:schemeClr val="accent1">
+              <a:shade val="15000"/>
+            </a:schemeClr>
+          </a:lnRef>
+          <a:fillRef idx="1">
+            <a:schemeClr val="accent1"/>
+          </a:fillRef>
+          <a:effectRef idx="0">
+            <a:schemeClr val="accent1"/>
+          </a:effectRef>
+          <a:fontRef idx="minor">
+            <a:schemeClr val="lt1"/>
+          </a:fontRef>
+        </p:style>
+        <p:txBody>
+          <a:bodyPr rtlCol="0" anchor="ctr"/>
+          <a:lstStyle/>
+          <a:p>
+            <a:pPr algn="ctr"/>
+            <a:endParaRPr lang="de-DE"/>
+          </a:p>
+        </p:txBody>
+      </p:sp>
+      <p:pic>
+        <p:nvPicPr>
+          <p:cNvPr id="22" name="Grafik 21">
+            <a:extLst>
+              <a:ext uri="{FF2B5EF4-FFF2-40B4-BE49-F238E27FC236}">
+                <a16:creationId xmlns:a16="http://schemas.microsoft.com/office/drawing/2014/main" id="{F98C1A14-FB3E-583D-2B8B-0C5D8F4AA2E1}"/>
+              </a:ext>
+            </a:extLst>
+          </p:cNvPr>
+          <p:cNvPicPr>
+            <a:picLocks noChangeAspect="1"/>
+          </p:cNvPicPr>
+          <p:nvPr/>
+        </p:nvPicPr>
+        <p:blipFill>
+          <a:blip r:embed="rId3"/>
+          <a:stretch>
+            <a:fillRect/>
+          </a:stretch>
+        </p:blipFill>
+        <p:spPr>
+          <a:xfrm>
+            <a:off x="8026019" y="2542286"/>
+            <a:ext cx="3248322" cy="2816179"/>
+          </a:xfrm>
+          <a:prstGeom prst="rect">
+            <a:avLst/>
+          </a:prstGeom>
+        </p:spPr>
+      </p:pic>
+      <p:sp>
+        <p:nvSpPr>
+          <p:cNvPr id="26" name="Ellipse 25">
+            <a:extLst>
+              <a:ext uri="{FF2B5EF4-FFF2-40B4-BE49-F238E27FC236}">
+                <a16:creationId xmlns:a16="http://schemas.microsoft.com/office/drawing/2014/main" id="{285194C9-4DE7-AD09-7B0C-32FB9C05D89D}"/>
+              </a:ext>
+            </a:extLst>
+          </p:cNvPr>
+          <p:cNvSpPr/>
+          <p:nvPr/>
+        </p:nvSpPr>
+        <p:spPr>
+          <a:xfrm>
+            <a:off x="959470" y="4424098"/>
+            <a:ext cx="1596933" cy="313319"/>
+          </a:xfrm>
+          <a:prstGeom prst="ellipse">
+            <a:avLst/>
+          </a:prstGeom>
+          <a:solidFill>
+            <a:srgbClr val="FF0000">
+              <a:alpha val="30000"/>
+            </a:srgbClr>
+          </a:solidFill>
+          <a:ln>
+            <a:solidFill>
+              <a:schemeClr val="accent1">
+                <a:lumMod val="75000"/>
+              </a:schemeClr>
+            </a:solidFill>
+          </a:ln>
+        </p:spPr>
+        <p:style>
+          <a:lnRef idx="2">
+            <a:schemeClr val="accent1">
+              <a:shade val="15000"/>
+            </a:schemeClr>
+          </a:lnRef>
+          <a:fillRef idx="1">
+            <a:schemeClr val="accent1"/>
+          </a:fillRef>
+          <a:effectRef idx="0">
+            <a:schemeClr val="accent1"/>
+          </a:effectRef>
+          <a:fontRef idx="minor">
+            <a:schemeClr val="lt1"/>
+          </a:fontRef>
+        </p:style>
+        <p:txBody>
+          <a:bodyPr rtlCol="0" anchor="ctr"/>
+          <a:lstStyle/>
+          <a:p>
+            <a:pPr algn="ctr"/>
+            <a:endParaRPr lang="de-DE"/>
+          </a:p>
+        </p:txBody>
+      </p:sp>
+      <p:sp>
+        <p:nvSpPr>
+          <p:cNvPr id="29" name="Ellipse 28">
+            <a:extLst>
+              <a:ext uri="{FF2B5EF4-FFF2-40B4-BE49-F238E27FC236}">
+                <a16:creationId xmlns:a16="http://schemas.microsoft.com/office/drawing/2014/main" id="{FA7CBAD2-C287-BF08-D5FF-2DD2D8018C3A}"/>
+              </a:ext>
+            </a:extLst>
+          </p:cNvPr>
+          <p:cNvSpPr/>
+          <p:nvPr/>
+        </p:nvSpPr>
+        <p:spPr>
+          <a:xfrm>
+            <a:off x="1706807" y="4744276"/>
+            <a:ext cx="1055802" cy="226244"/>
+          </a:xfrm>
+          <a:prstGeom prst="ellipse">
+            <a:avLst/>
+          </a:prstGeom>
+          <a:solidFill>
+            <a:srgbClr val="FF0000">
+              <a:alpha val="20000"/>
+            </a:srgbClr>
+          </a:solidFill>
+          <a:ln>
+            <a:solidFill>
+              <a:schemeClr val="accent1">
+                <a:lumMod val="75000"/>
+              </a:schemeClr>
+            </a:solidFill>
+          </a:ln>
+        </p:spPr>
+        <p:style>
+          <a:lnRef idx="2">
+            <a:schemeClr val="accent1">
+              <a:shade val="15000"/>
+            </a:schemeClr>
+          </a:lnRef>
+          <a:fillRef idx="1">
+            <a:schemeClr val="accent1"/>
+          </a:fillRef>
+          <a:effectRef idx="0">
+            <a:schemeClr val="accent1"/>
+          </a:effectRef>
+          <a:fontRef idx="minor">
+            <a:schemeClr val="lt1"/>
+          </a:fontRef>
+        </p:style>
+        <p:txBody>
+          <a:bodyPr rtlCol="0" anchor="ctr"/>
+          <a:lstStyle/>
+          <a:p>
+            <a:pPr algn="ctr"/>
+            <a:endParaRPr lang="de-DE"/>
+          </a:p>
+        </p:txBody>
+      </p:sp>
+      <p:sp>
+        <p:nvSpPr>
+          <p:cNvPr id="18" name="Textfeld 17">
+            <a:extLst>
+              <a:ext uri="{FF2B5EF4-FFF2-40B4-BE49-F238E27FC236}">
+                <a16:creationId xmlns:a16="http://schemas.microsoft.com/office/drawing/2014/main" id="{DE04FF8E-D9A1-757D-7C36-BB5CBC41FCCB}"/>
+              </a:ext>
+            </a:extLst>
+          </p:cNvPr>
+          <p:cNvSpPr txBox="1"/>
+          <p:nvPr/>
+        </p:nvSpPr>
+        <p:spPr>
+          <a:xfrm>
+            <a:off x="7996415" y="2103242"/>
+            <a:ext cx="3162854" cy="369332"/>
+          </a:xfrm>
+          <a:prstGeom prst="rect">
+            <a:avLst/>
+          </a:prstGeom>
+          <a:noFill/>
+        </p:spPr>
+        <p:txBody>
+          <a:bodyPr wrap="square" rtlCol="0">
+            <a:spAutoFit/>
+          </a:bodyPr>
+          <a:lstStyle/>
+          <a:p>
+            <a:pPr algn="ctr"/>
+            <a:r>
+              <a:rPr lang="de-DE" b="1" dirty="0"/>
+              <a:t>Interaktives Pop-up-Fenster</a:t>
+            </a:r>
+            <a:endParaRPr lang="de-DE" dirty="0"/>
+          </a:p>
+        </p:txBody>
+      </p:sp>
+    </p:spTree>
+    <p:extLst>
+      <p:ext uri="{BB962C8B-B14F-4D97-AF65-F5344CB8AC3E}">
+        <p14:creationId xmlns:p14="http://schemas.microsoft.com/office/powerpoint/2010/main" val="42753427"/>
+      </p:ext>
+    </p:extLst>
+  </p:cSld>
+  <p:clrMapOvr>
+    <a:masterClrMapping/>
+  </p:clrMapOvr>
+</p:sld>
+</file>
+
+<file path=ppt/slides/slide3.xml><?xml version="1.0" encoding="utf-8"?>
 <p:sld xmlns:a="http://schemas.openxmlformats.org/drawingml/2006/main" xmlns:r="http://schemas.openxmlformats.org/officeDocument/2006/relationships" xmlns:p="http://schemas.openxmlformats.org/presentationml/2006/main">
   <p:cSld>
     <p:bg>
